--- a/class 8/lab 30 (Access)/2. Presentation/lab 30.pptx
+++ b/class 8/lab 30 (Access)/2. Presentation/lab 30.pptx
@@ -7,13 +7,14 @@
   <p:sldIdLst>
     <p:sldId id="256" r:id="rId3"/>
     <p:sldId id="306" r:id="rId4"/>
-    <p:sldId id="326" r:id="rId5"/>
-    <p:sldId id="327" r:id="rId6"/>
-    <p:sldId id="328" r:id="rId7"/>
-    <p:sldId id="329" r:id="rId8"/>
-    <p:sldId id="330" r:id="rId9"/>
-    <p:sldId id="331" r:id="rId10"/>
-    <p:sldId id="308" r:id="rId11"/>
+    <p:sldId id="333" r:id="rId5"/>
+    <p:sldId id="334" r:id="rId6"/>
+    <p:sldId id="335" r:id="rId7"/>
+    <p:sldId id="336" r:id="rId8"/>
+    <p:sldId id="337" r:id="rId9"/>
+    <p:sldId id="338" r:id="rId10"/>
+    <p:sldId id="339" r:id="rId11"/>
+    <p:sldId id="308" r:id="rId12"/>
   </p:sldIdLst>
   <p:sldSz cx="12192000" cy="6858000"/>
   <p:notesSz cx="7103745" cy="10234295"/>
@@ -3233,26 +3234,9 @@
                 <a:latin typeface="Purisa" panose="02000603000000000000" charset="0"/>
                 <a:cs typeface="Purisa" panose="02000603000000000000" charset="0"/>
               </a:rPr>
-              <a:t> lab 2</a:t>
-            </a:r>
-            <a:r>
-              <a:rPr lang="" altLang="en-US" sz="4800" b="1">
-                <a:solidFill>
-                  <a:schemeClr val="tx1"/>
-                </a:solidFill>
-                <a:effectLst>
-                  <a:outerShdw blurRad="38100" dist="19050" dir="2700000" algn="tl" rotWithShape="0">
-                    <a:schemeClr val="dk1">
-                      <a:alpha val="40000"/>
-                    </a:schemeClr>
-                  </a:outerShdw>
-                </a:effectLst>
-                <a:latin typeface="Purisa" panose="02000603000000000000" charset="0"/>
-                <a:cs typeface="Purisa" panose="02000603000000000000" charset="0"/>
-              </a:rPr>
-              <a:t>8</a:t>
-            </a:r>
-            <a:endParaRPr lang="" altLang="en-US" sz="4800" b="1">
+              <a:t> lab 28</a:t>
+            </a:r>
+            <a:endParaRPr lang="en-US" altLang="en-US" sz="4800" b="1">
               <a:solidFill>
                 <a:schemeClr val="tx1"/>
               </a:solidFill>
@@ -3287,6 +3271,153 @@
           <a:xfrm rot="20100000">
             <a:off x="10015855" y="3490595"/>
             <a:ext cx="1080135" cy="1061085"/>
+          </a:xfrm>
+          <a:prstGeom prst="rect">
+            <a:avLst/>
+          </a:prstGeom>
+        </p:spPr>
+      </p:pic>
+    </p:spTree>
+  </p:cSld>
+  <p:clrMapOvr>
+    <a:masterClrMapping/>
+  </p:clrMapOvr>
+</p:sld>
+</file>
+
+<file path=ppt/slides/slide10.xml><?xml version="1.0" encoding="utf-8"?>
+<p:sld xmlns:a="http://schemas.openxmlformats.org/drawingml/2006/main" xmlns:r="http://schemas.openxmlformats.org/officeDocument/2006/relationships" xmlns:p="http://schemas.openxmlformats.org/presentationml/2006/main">
+  <p:cSld>
+    <p:bg>
+      <p:bgPr>
+        <a:gradFill rotWithShape="0">
+          <a:gsLst>
+            <a:gs pos="0">
+              <a:srgbClr val="00B050"/>
+            </a:gs>
+            <a:gs pos="100000">
+              <a:schemeClr val="bg1">
+                <a:lumMod val="65000"/>
+              </a:schemeClr>
+            </a:gs>
+          </a:gsLst>
+          <a:lin ang="17280000" scaled="0"/>
+        </a:gradFill>
+        <a:effectLst/>
+      </p:bgPr>
+    </p:bg>
+    <p:spTree>
+      <p:nvGrpSpPr>
+        <p:cNvPr id="1" name=""/>
+        <p:cNvGrpSpPr/>
+        <p:nvPr/>
+      </p:nvGrpSpPr>
+      <p:grpSpPr/>
+      <p:pic>
+        <p:nvPicPr>
+          <p:cNvPr id="4" name="Picture 3"/>
+          <p:cNvPicPr>
+            <a:picLocks noChangeAspect="1"/>
+          </p:cNvPicPr>
+          <p:nvPr/>
+        </p:nvPicPr>
+        <p:blipFill>
+          <a:blip r:embed="rId1">
+            <a:clrChange>
+              <a:clrFrom>
+                <a:srgbClr val="F6F6F6">
+                  <a:alpha val="100000"/>
+                </a:srgbClr>
+              </a:clrFrom>
+              <a:clrTo>
+                <a:srgbClr val="F6F6F6">
+                  <a:alpha val="100000"/>
+                  <a:alpha val="0"/>
+                </a:srgbClr>
+              </a:clrTo>
+            </a:clrChange>
+            <a:lum bright="-6000"/>
+          </a:blip>
+          <a:stretch>
+            <a:fillRect/>
+          </a:stretch>
+        </p:blipFill>
+        <p:spPr>
+          <a:xfrm rot="21060000">
+            <a:off x="6033135" y="1033145"/>
+            <a:ext cx="4634865" cy="4244340"/>
+          </a:xfrm>
+          <a:prstGeom prst="rect">
+            <a:avLst/>
+          </a:prstGeom>
+        </p:spPr>
+      </p:pic>
+      <p:pic>
+        <p:nvPicPr>
+          <p:cNvPr id="5" name="Picture 4" descr="United TrusT Logo"/>
+          <p:cNvPicPr>
+            <a:picLocks noChangeAspect="1"/>
+          </p:cNvPicPr>
+          <p:nvPr/>
+        </p:nvPicPr>
+        <p:blipFill>
+          <a:blip r:embed="rId2"/>
+          <a:stretch>
+            <a:fillRect/>
+          </a:stretch>
+        </p:blipFill>
+        <p:spPr>
+          <a:xfrm>
+            <a:off x="108585" y="6128385"/>
+            <a:ext cx="1650365" cy="634365"/>
+          </a:xfrm>
+          <a:prstGeom prst="rect">
+            <a:avLst/>
+          </a:prstGeom>
+        </p:spPr>
+      </p:pic>
+      <p:pic>
+        <p:nvPicPr>
+          <p:cNvPr id="6" name="Picture 5" descr="bdedu_logo"/>
+          <p:cNvPicPr>
+            <a:picLocks noChangeAspect="1"/>
+          </p:cNvPicPr>
+          <p:nvPr/>
+        </p:nvPicPr>
+        <p:blipFill>
+          <a:blip r:embed="rId3"/>
+          <a:stretch>
+            <a:fillRect/>
+          </a:stretch>
+        </p:blipFill>
+        <p:spPr>
+          <a:xfrm>
+            <a:off x="9421495" y="6061710"/>
+            <a:ext cx="2693670" cy="701040"/>
+          </a:xfrm>
+          <a:prstGeom prst="rect">
+            <a:avLst/>
+          </a:prstGeom>
+        </p:spPr>
+      </p:pic>
+      <p:pic>
+        <p:nvPicPr>
+          <p:cNvPr id="3" name="Picture 2"/>
+          <p:cNvPicPr>
+            <a:picLocks noChangeAspect="1"/>
+          </p:cNvPicPr>
+          <p:nvPr/>
+        </p:nvPicPr>
+        <p:blipFill>
+          <a:blip r:embed="rId4"/>
+          <a:stretch>
+            <a:fillRect/>
+          </a:stretch>
+        </p:blipFill>
+        <p:spPr>
+          <a:xfrm>
+            <a:off x="5838190" y="272415"/>
+            <a:ext cx="5765800" cy="5765800"/>
           </a:xfrm>
           <a:prstGeom prst="rect">
             <a:avLst/>
@@ -3538,7 +3669,7 @@
                   </a:outerShdw>
                 </a:effectLst>
               </a:rPr>
-              <a:t>Parameter Queries</a:t>
+              <a:t>Aggregate Query</a:t>
             </a:r>
             <a:endParaRPr lang="en-US" sz="4000">
               <a:solidFill>
@@ -3563,8 +3694,8 @@
         </p:nvSpPr>
         <p:spPr>
           <a:xfrm>
-            <a:off x="1680845" y="2428875"/>
-            <a:ext cx="9262110" cy="2553335"/>
+            <a:off x="1464945" y="2272030"/>
+            <a:ext cx="9262110" cy="2799715"/>
           </a:xfrm>
           <a:prstGeom prst="rect">
             <a:avLst/>
@@ -3581,13 +3712,13 @@
           <a:p>
             <a:pPr marL="0" indent="0"/>
             <a:r>
-              <a:rPr lang="en-US" sz="3200" b="0">
+              <a:rPr lang="en-US" sz="4400" b="0">
                 <a:latin typeface="Calibri" charset="0"/>
                 <a:cs typeface="SimSun" charset="0"/>
               </a:rPr>
-              <a:t> you can save and run the same query again and again, but when you run the same query again and again by only changing the criteria then you might consider the query to accept parameters</a:t>
-            </a:r>
-            <a:endParaRPr lang="en-US" sz="3200" b="0">
+              <a:t>An aggregate query also known as a totals or summary query is a sum, mass or group particulars</a:t>
+            </a:r>
+            <a:endParaRPr lang="en-US" sz="4400" b="0">
               <a:latin typeface="Calibri" charset="0"/>
               <a:cs typeface="SimSun" charset="0"/>
             </a:endParaRPr>
@@ -3827,6 +3958,21 @@
           </a:bodyPr>
           <a:p>
             <a:r>
+              <a:rPr lang="en-US" sz="4000">
+                <a:solidFill>
+                  <a:schemeClr val="bg1"/>
+                </a:solidFill>
+                <a:effectLst>
+                  <a:outerShdw blurRad="38100" dist="19050" dir="2700000" algn="tl" rotWithShape="0">
+                    <a:schemeClr val="dk1">
+                      <a:alpha val="40000"/>
+                    </a:schemeClr>
+                  </a:outerShdw>
+                </a:effectLst>
+              </a:rPr>
+              <a:t>Aggregate </a:t>
+            </a:r>
+            <a:r>
               <a:rPr lang="" altLang="en-US" sz="4000">
                 <a:solidFill>
                   <a:schemeClr val="bg1"/>
@@ -3839,7 +3985,7 @@
                   </a:outerShdw>
                 </a:effectLst>
               </a:rPr>
-              <a:t>Example</a:t>
+              <a:t>Function</a:t>
             </a:r>
             <a:endParaRPr lang="" altLang="en-US" sz="4000">
               <a:solidFill>
@@ -3856,72 +4002,1294 @@
           </a:p>
         </p:txBody>
       </p:sp>
-      <p:pic>
-        <p:nvPicPr>
-          <p:cNvPr id="11" name="Picture 1" descr="IMG_256"/>
-          <p:cNvPicPr>
-            <a:picLocks noChangeAspect="1"/>
-          </p:cNvPicPr>
+      <p:graphicFrame>
+        <p:nvGraphicFramePr>
+          <p:cNvPr id="3" name="Table 2"/>
+          <p:cNvGraphicFramePr/>
           <p:nvPr/>
-        </p:nvPicPr>
-        <p:blipFill>
-          <a:blip r:embed="rId4">
-            <a:lum bright="-6000"/>
-          </a:blip>
-          <a:stretch>
-            <a:fillRect/>
-          </a:stretch>
-        </p:blipFill>
-        <p:spPr>
-          <a:xfrm>
-            <a:off x="1536065" y="1744345"/>
-            <a:ext cx="2879725" cy="4405630"/>
-          </a:xfrm>
-          <a:prstGeom prst="rect">
-            <a:avLst/>
-          </a:prstGeom>
-          <a:noFill/>
-          <a:ln w="9525">
-            <a:noFill/>
-          </a:ln>
-        </p:spPr>
-      </p:pic>
-      <p:sp>
-        <p:nvSpPr>
-          <p:cNvPr id="3" name="Text Box 2"/>
-          <p:cNvSpPr txBox="1"/>
-          <p:nvPr/>
-        </p:nvSpPr>
-        <p:spPr>
-          <a:xfrm>
-            <a:off x="4617720" y="3539490"/>
-            <a:ext cx="5080000" cy="645160"/>
-          </a:xfrm>
-          <a:prstGeom prst="rect">
-            <a:avLst/>
-          </a:prstGeom>
-          <a:noFill/>
-          <a:ln w="9525">
-            <a:noFill/>
-          </a:ln>
-        </p:spPr>
-        <p:txBody>
-          <a:bodyPr>
-            <a:spAutoFit/>
-          </a:bodyPr>
-          <a:p>
-            <a:pPr marL="0" indent="0"/>
-            <a:r>
-              <a:rPr lang="en-US" b="0">
-                <a:latin typeface="Calibri" charset="0"/>
-                <a:cs typeface="SimSun" charset="0"/>
-              </a:rPr>
-              <a:t>Double-click on the tblProjects and close the Show dialog box</a:t>
-            </a:r>
-            <a:endParaRPr lang="en-US"/>
-          </a:p>
-        </p:txBody>
-      </p:sp>
+        </p:nvGraphicFramePr>
+        <p:xfrm>
+          <a:off x="2576830" y="1590040"/>
+          <a:ext cx="7037705" cy="4012565"/>
+        </p:xfrm>
+        <a:graphic>
+          <a:graphicData uri="http://schemas.openxmlformats.org/drawingml/2006/table">
+            <a:tbl>
+              <a:tblPr firstRow="1" bandRow="1">
+                <a:tableStyleId>{5940675A-B579-460E-94D1-54222C63F5DA}</a:tableStyleId>
+              </a:tblPr>
+              <a:tblGrid>
+                <a:gridCol w="847725"/>
+                <a:gridCol w="6189980"/>
+              </a:tblGrid>
+              <a:tr h="469265">
+                <a:tc>
+                  <a:txBody>
+                    <a:bodyPr/>
+                    <a:p>
+                      <a:pPr>
+                        <a:buNone/>
+                      </a:pPr>
+                      <a:r>
+                        <a:rPr lang="en-US" sz="2000" b="1">
+                          <a:solidFill>
+                            <a:srgbClr val="1C1B10"/>
+                          </a:solidFill>
+                          <a:latin typeface="Calibri" charset="0"/>
+                          <a:cs typeface="Calibri" charset="0"/>
+                        </a:rPr>
+                        <a:t>S.No</a:t>
+                      </a:r>
+                      <a:endParaRPr lang="en-US" sz="2000" b="1">
+                        <a:solidFill>
+                          <a:srgbClr val="1C1B10"/>
+                        </a:solidFill>
+                        <a:latin typeface="Calibri" charset="0"/>
+                        <a:ea typeface="Calibri" charset="0"/>
+                        <a:cs typeface="Calibri" charset="0"/>
+                      </a:endParaRPr>
+                    </a:p>
+                  </a:txBody>
+                  <a:tcPr marL="76200" marR="76200" marT="76200" marB="76200" vert="horz" anchor="t">
+                    <a:lnL w="12700" cap="flat" cmpd="sng">
+                      <a:solidFill>
+                        <a:srgbClr val="DDDDDD"/>
+                      </a:solidFill>
+                      <a:prstDash val="solid"/>
+                      <a:headEnd type="none" w="med" len="med"/>
+                      <a:tailEnd type="none" w="med" len="med"/>
+                    </a:lnL>
+                    <a:lnR w="12700" cap="flat" cmpd="sng">
+                      <a:solidFill>
+                        <a:srgbClr val="DDDDDD"/>
+                      </a:solidFill>
+                      <a:prstDash val="solid"/>
+                      <a:headEnd type="none" w="med" len="med"/>
+                      <a:tailEnd type="none" w="med" len="med"/>
+                    </a:lnR>
+                    <a:lnT w="12700" cap="flat" cmpd="sng">
+                      <a:solidFill>
+                        <a:srgbClr val="DDDDDD"/>
+                      </a:solidFill>
+                      <a:prstDash val="solid"/>
+                      <a:headEnd type="none" w="med" len="med"/>
+                      <a:tailEnd type="none" w="med" len="med"/>
+                    </a:lnT>
+                    <a:lnB w="12700" cap="flat" cmpd="sng">
+                      <a:solidFill>
+                        <a:srgbClr val="DDDDDD"/>
+                      </a:solidFill>
+                      <a:prstDash val="solid"/>
+                      <a:headEnd type="none" w="med" len="med"/>
+                      <a:tailEnd type="none" w="med" len="med"/>
+                    </a:lnB>
+                    <a:lnTlToBr>
+                      <a:noFill/>
+                    </a:lnTlToBr>
+                    <a:lnBlToTr>
+                      <a:noFill/>
+                    </a:lnBlToTr>
+                    <a:solidFill>
+                      <a:srgbClr val="EEEEEE"/>
+                    </a:solidFill>
+                  </a:tcPr>
+                </a:tc>
+                <a:tc>
+                  <a:txBody>
+                    <a:bodyPr/>
+                    <a:p>
+                      <a:pPr>
+                        <a:buNone/>
+                      </a:pPr>
+                      <a:r>
+                        <a:rPr lang="en-US" sz="2000" b="1">
+                          <a:solidFill>
+                            <a:srgbClr val="1C1B10"/>
+                          </a:solidFill>
+                          <a:latin typeface="Calibri" charset="0"/>
+                          <a:cs typeface="Calibri" charset="0"/>
+                        </a:rPr>
+                        <a:t>Aggregate Functions &amp; Description</a:t>
+                      </a:r>
+                      <a:endParaRPr lang="en-US" sz="2000" b="1">
+                        <a:solidFill>
+                          <a:srgbClr val="1C1B10"/>
+                        </a:solidFill>
+                        <a:latin typeface="Calibri" charset="0"/>
+                        <a:ea typeface="Calibri" charset="0"/>
+                        <a:cs typeface="Calibri" charset="0"/>
+                      </a:endParaRPr>
+                    </a:p>
+                  </a:txBody>
+                  <a:tcPr marL="76200" marR="76200" marT="76200" marB="76200" vert="horz" anchor="t">
+                    <a:lnL w="12700" cap="flat" cmpd="sng">
+                      <a:solidFill>
+                        <a:srgbClr val="DDDDDD"/>
+                      </a:solidFill>
+                      <a:prstDash val="solid"/>
+                      <a:headEnd type="none" w="med" len="med"/>
+                      <a:tailEnd type="none" w="med" len="med"/>
+                    </a:lnL>
+                    <a:lnR w="12700" cap="flat" cmpd="sng">
+                      <a:solidFill>
+                        <a:srgbClr val="DDDDDD"/>
+                      </a:solidFill>
+                      <a:prstDash val="solid"/>
+                      <a:headEnd type="none" w="med" len="med"/>
+                      <a:tailEnd type="none" w="med" len="med"/>
+                    </a:lnR>
+                    <a:lnT w="12700" cap="flat" cmpd="sng">
+                      <a:solidFill>
+                        <a:srgbClr val="DDDDDD"/>
+                      </a:solidFill>
+                      <a:prstDash val="solid"/>
+                      <a:headEnd type="none" w="med" len="med"/>
+                      <a:tailEnd type="none" w="med" len="med"/>
+                    </a:lnT>
+                    <a:lnB w="12700" cap="flat" cmpd="sng">
+                      <a:solidFill>
+                        <a:srgbClr val="DDDDDD"/>
+                      </a:solidFill>
+                      <a:prstDash val="solid"/>
+                      <a:headEnd type="none" w="med" len="med"/>
+                      <a:tailEnd type="none" w="med" len="med"/>
+                    </a:lnB>
+                    <a:lnTlToBr>
+                      <a:noFill/>
+                    </a:lnTlToBr>
+                    <a:lnBlToTr>
+                      <a:noFill/>
+                    </a:lnBlToTr>
+                    <a:solidFill>
+                      <a:srgbClr val="EEEEEE"/>
+                    </a:solidFill>
+                  </a:tcPr>
+                </a:tc>
+              </a:tr>
+              <a:tr h="469900">
+                <a:tc>
+                  <a:txBody>
+                    <a:bodyPr/>
+                    <a:p>
+                      <a:pPr>
+                        <a:buNone/>
+                      </a:pPr>
+                      <a:r>
+                        <a:rPr lang="en-US" sz="2000">
+                          <a:solidFill>
+                            <a:srgbClr val="1C1B10"/>
+                          </a:solidFill>
+                          <a:latin typeface="Calibri" charset="0"/>
+                          <a:cs typeface="Calibri" charset="0"/>
+                        </a:rPr>
+                        <a:t>1.</a:t>
+                      </a:r>
+                      <a:endParaRPr lang="en-US" sz="2000">
+                        <a:solidFill>
+                          <a:srgbClr val="1C1B10"/>
+                        </a:solidFill>
+                        <a:latin typeface="Calibri" charset="0"/>
+                        <a:ea typeface="Calibri" charset="0"/>
+                        <a:cs typeface="Calibri" charset="0"/>
+                      </a:endParaRPr>
+                    </a:p>
+                  </a:txBody>
+                  <a:tcPr marL="76200" marR="76200" marT="76200" marB="76200" vert="horz" anchor="t">
+                    <a:lnL w="12700" cap="flat" cmpd="sng">
+                      <a:solidFill>
+                        <a:srgbClr val="DDDDDD"/>
+                      </a:solidFill>
+                      <a:prstDash val="solid"/>
+                      <a:headEnd type="none" w="med" len="med"/>
+                      <a:tailEnd type="none" w="med" len="med"/>
+                    </a:lnL>
+                    <a:lnR w="12700" cap="flat" cmpd="sng">
+                      <a:solidFill>
+                        <a:srgbClr val="DDDDDD"/>
+                      </a:solidFill>
+                      <a:prstDash val="solid"/>
+                      <a:headEnd type="none" w="med" len="med"/>
+                      <a:tailEnd type="none" w="med" len="med"/>
+                    </a:lnR>
+                    <a:lnT w="12700" cap="flat" cmpd="sng">
+                      <a:solidFill>
+                        <a:srgbClr val="DDDDDD"/>
+                      </a:solidFill>
+                      <a:prstDash val="solid"/>
+                      <a:headEnd type="none" w="med" len="med"/>
+                      <a:tailEnd type="none" w="med" len="med"/>
+                    </a:lnT>
+                    <a:lnB w="12700" cap="flat" cmpd="sng">
+                      <a:solidFill>
+                        <a:srgbClr val="DDDDDD"/>
+                      </a:solidFill>
+                      <a:prstDash val="solid"/>
+                      <a:headEnd type="none" w="med" len="med"/>
+                      <a:tailEnd type="none" w="med" len="med"/>
+                    </a:lnB>
+                    <a:lnTlToBr>
+                      <a:noFill/>
+                    </a:lnTlToBr>
+                    <a:lnBlToTr>
+                      <a:noFill/>
+                    </a:lnBlToTr>
+                    <a:noFill/>
+                  </a:tcPr>
+                </a:tc>
+                <a:tc>
+                  <a:txBody>
+                    <a:bodyPr/>
+                    <a:p>
+                      <a:pPr>
+                        <a:buNone/>
+                      </a:pPr>
+                      <a:r>
+                        <a:rPr lang="en-US" sz="2000">
+                          <a:solidFill>
+                            <a:srgbClr val="1C1B10"/>
+                          </a:solidFill>
+                          <a:latin typeface="Calibri" charset="0"/>
+                          <a:cs typeface="Calibri" charset="0"/>
+                        </a:rPr>
+                        <a:t>Sum </a:t>
+                      </a:r>
+                      <a:r>
+                        <a:rPr lang="" altLang="en-US" sz="2000">
+                          <a:solidFill>
+                            <a:srgbClr val="1C1B10"/>
+                          </a:solidFill>
+                          <a:latin typeface="Calibri" charset="0"/>
+                          <a:cs typeface="Calibri" charset="0"/>
+                        </a:rPr>
+                        <a:t>- </a:t>
+                      </a:r>
+                      <a:r>
+                        <a:rPr lang="en-US" sz="2000">
+                          <a:solidFill>
+                            <a:srgbClr val="1C1B10"/>
+                          </a:solidFill>
+                          <a:latin typeface="Calibri" charset="0"/>
+                          <a:cs typeface="Calibri" charset="0"/>
+                        </a:rPr>
+                        <a:t>Adds the field values</a:t>
+                      </a:r>
+                      <a:endParaRPr lang="en-US" sz="2000">
+                        <a:solidFill>
+                          <a:srgbClr val="1C1B10"/>
+                        </a:solidFill>
+                        <a:latin typeface="Calibri" charset="0"/>
+                        <a:ea typeface="Calibri" charset="0"/>
+                        <a:cs typeface="Calibri" charset="0"/>
+                      </a:endParaRPr>
+                    </a:p>
+                  </a:txBody>
+                  <a:tcPr marL="76200" marR="76200" marT="76200" marB="76200" vert="horz" anchor="t">
+                    <a:lnL w="12700" cap="flat" cmpd="sng">
+                      <a:solidFill>
+                        <a:srgbClr val="DDDDDD"/>
+                      </a:solidFill>
+                      <a:prstDash val="solid"/>
+                      <a:headEnd type="none" w="med" len="med"/>
+                      <a:tailEnd type="none" w="med" len="med"/>
+                    </a:lnL>
+                    <a:lnR w="12700" cap="flat" cmpd="sng">
+                      <a:solidFill>
+                        <a:srgbClr val="DDDDDD"/>
+                      </a:solidFill>
+                      <a:prstDash val="solid"/>
+                      <a:headEnd type="none" w="med" len="med"/>
+                      <a:tailEnd type="none" w="med" len="med"/>
+                    </a:lnR>
+                    <a:lnT w="12700" cap="flat" cmpd="sng">
+                      <a:solidFill>
+                        <a:srgbClr val="DDDDDD"/>
+                      </a:solidFill>
+                      <a:prstDash val="solid"/>
+                      <a:headEnd type="none" w="med" len="med"/>
+                      <a:tailEnd type="none" w="med" len="med"/>
+                    </a:lnT>
+                    <a:lnB w="12700" cap="flat" cmpd="sng">
+                      <a:solidFill>
+                        <a:srgbClr val="DDDDDD"/>
+                      </a:solidFill>
+                      <a:prstDash val="solid"/>
+                      <a:headEnd type="none" w="med" len="med"/>
+                      <a:tailEnd type="none" w="med" len="med"/>
+                    </a:lnB>
+                    <a:lnTlToBr>
+                      <a:noFill/>
+                    </a:lnTlToBr>
+                    <a:lnBlToTr>
+                      <a:noFill/>
+                    </a:lnBlToTr>
+                    <a:noFill/>
+                  </a:tcPr>
+                </a:tc>
+              </a:tr>
+              <a:tr h="469265">
+                <a:tc>
+                  <a:txBody>
+                    <a:bodyPr/>
+                    <a:p>
+                      <a:pPr>
+                        <a:buNone/>
+                      </a:pPr>
+                      <a:r>
+                        <a:rPr lang="en-US" sz="2000">
+                          <a:solidFill>
+                            <a:srgbClr val="1C1B10"/>
+                          </a:solidFill>
+                          <a:latin typeface="Calibri" charset="0"/>
+                          <a:cs typeface="Calibri" charset="0"/>
+                        </a:rPr>
+                        <a:t>2.</a:t>
+                      </a:r>
+                      <a:endParaRPr lang="en-US" sz="2000">
+                        <a:solidFill>
+                          <a:srgbClr val="1C1B10"/>
+                        </a:solidFill>
+                        <a:latin typeface="Calibri" charset="0"/>
+                        <a:ea typeface="Calibri" charset="0"/>
+                        <a:cs typeface="Calibri" charset="0"/>
+                      </a:endParaRPr>
+                    </a:p>
+                  </a:txBody>
+                  <a:tcPr marL="76200" marR="76200" marT="76200" marB="76200" vert="horz" anchor="t">
+                    <a:lnL w="12700" cap="flat" cmpd="sng">
+                      <a:solidFill>
+                        <a:srgbClr val="DDDDDD"/>
+                      </a:solidFill>
+                      <a:prstDash val="solid"/>
+                      <a:headEnd type="none" w="med" len="med"/>
+                      <a:tailEnd type="none" w="med" len="med"/>
+                    </a:lnL>
+                    <a:lnR w="12700" cap="flat" cmpd="sng">
+                      <a:solidFill>
+                        <a:srgbClr val="DDDDDD"/>
+                      </a:solidFill>
+                      <a:prstDash val="solid"/>
+                      <a:headEnd type="none" w="med" len="med"/>
+                      <a:tailEnd type="none" w="med" len="med"/>
+                    </a:lnR>
+                    <a:lnT w="12700" cap="flat" cmpd="sng">
+                      <a:solidFill>
+                        <a:srgbClr val="DDDDDD"/>
+                      </a:solidFill>
+                      <a:prstDash val="solid"/>
+                      <a:headEnd type="none" w="med" len="med"/>
+                      <a:tailEnd type="none" w="med" len="med"/>
+                    </a:lnT>
+                    <a:lnB w="12700" cap="flat" cmpd="sng">
+                      <a:solidFill>
+                        <a:srgbClr val="DDDDDD"/>
+                      </a:solidFill>
+                      <a:prstDash val="solid"/>
+                      <a:headEnd type="none" w="med" len="med"/>
+                      <a:tailEnd type="none" w="med" len="med"/>
+                    </a:lnB>
+                    <a:lnTlToBr>
+                      <a:noFill/>
+                    </a:lnTlToBr>
+                    <a:lnBlToTr>
+                      <a:noFill/>
+                    </a:lnBlToTr>
+                    <a:noFill/>
+                  </a:tcPr>
+                </a:tc>
+                <a:tc>
+                  <a:txBody>
+                    <a:bodyPr/>
+                    <a:p>
+                      <a:pPr>
+                        <a:buNone/>
+                      </a:pPr>
+                      <a:r>
+                        <a:rPr lang="en-US" sz="2000">
+                          <a:solidFill>
+                            <a:srgbClr val="1C1B10"/>
+                          </a:solidFill>
+                          <a:latin typeface="Calibri" charset="0"/>
+                          <a:cs typeface="Calibri" charset="0"/>
+                        </a:rPr>
+                        <a:t>Avg </a:t>
+                      </a:r>
+                      <a:r>
+                        <a:rPr lang="" altLang="en-US" sz="2000">
+                          <a:solidFill>
+                            <a:srgbClr val="1C1B10"/>
+                          </a:solidFill>
+                          <a:latin typeface="Calibri" charset="0"/>
+                          <a:cs typeface="Calibri" charset="0"/>
+                        </a:rPr>
+                        <a:t>- </a:t>
+                      </a:r>
+                      <a:r>
+                        <a:rPr lang="en-US" sz="2000">
+                          <a:solidFill>
+                            <a:srgbClr val="1C1B10"/>
+                          </a:solidFill>
+                          <a:latin typeface="Calibri" charset="0"/>
+                          <a:cs typeface="Calibri" charset="0"/>
+                        </a:rPr>
+                        <a:t>Average of the field values</a:t>
+                      </a:r>
+                      <a:endParaRPr lang="en-US" sz="2000">
+                        <a:solidFill>
+                          <a:srgbClr val="1C1B10"/>
+                        </a:solidFill>
+                        <a:latin typeface="Calibri" charset="0"/>
+                        <a:ea typeface="Calibri" charset="0"/>
+                        <a:cs typeface="Calibri" charset="0"/>
+                      </a:endParaRPr>
+                    </a:p>
+                  </a:txBody>
+                  <a:tcPr marL="76200" marR="76200" marT="76200" marB="76200" vert="horz" anchor="t">
+                    <a:lnL w="12700" cap="flat" cmpd="sng">
+                      <a:solidFill>
+                        <a:srgbClr val="DDDDDD"/>
+                      </a:solidFill>
+                      <a:prstDash val="solid"/>
+                      <a:headEnd type="none" w="med" len="med"/>
+                      <a:tailEnd type="none" w="med" len="med"/>
+                    </a:lnL>
+                    <a:lnR w="12700" cap="flat" cmpd="sng">
+                      <a:solidFill>
+                        <a:srgbClr val="DDDDDD"/>
+                      </a:solidFill>
+                      <a:prstDash val="solid"/>
+                      <a:headEnd type="none" w="med" len="med"/>
+                      <a:tailEnd type="none" w="med" len="med"/>
+                    </a:lnR>
+                    <a:lnT w="12700" cap="flat" cmpd="sng">
+                      <a:solidFill>
+                        <a:srgbClr val="DDDDDD"/>
+                      </a:solidFill>
+                      <a:prstDash val="solid"/>
+                      <a:headEnd type="none" w="med" len="med"/>
+                      <a:tailEnd type="none" w="med" len="med"/>
+                    </a:lnT>
+                    <a:lnB w="12700" cap="flat" cmpd="sng">
+                      <a:solidFill>
+                        <a:srgbClr val="DDDDDD"/>
+                      </a:solidFill>
+                      <a:prstDash val="solid"/>
+                      <a:headEnd type="none" w="med" len="med"/>
+                      <a:tailEnd type="none" w="med" len="med"/>
+                    </a:lnB>
+                    <a:lnTlToBr>
+                      <a:noFill/>
+                    </a:lnTlToBr>
+                    <a:lnBlToTr>
+                      <a:noFill/>
+                    </a:lnBlToTr>
+                    <a:noFill/>
+                  </a:tcPr>
+                </a:tc>
+              </a:tr>
+              <a:tr h="469900">
+                <a:tc>
+                  <a:txBody>
+                    <a:bodyPr/>
+                    <a:p>
+                      <a:pPr>
+                        <a:buNone/>
+                      </a:pPr>
+                      <a:r>
+                        <a:rPr lang="en-US" sz="2000">
+                          <a:solidFill>
+                            <a:srgbClr val="1C1B10"/>
+                          </a:solidFill>
+                          <a:latin typeface="Calibri" charset="0"/>
+                          <a:cs typeface="Calibri" charset="0"/>
+                        </a:rPr>
+                        <a:t>3.</a:t>
+                      </a:r>
+                      <a:endParaRPr lang="en-US" sz="2000">
+                        <a:solidFill>
+                          <a:srgbClr val="1C1B10"/>
+                        </a:solidFill>
+                        <a:latin typeface="Calibri" charset="0"/>
+                        <a:ea typeface="Calibri" charset="0"/>
+                        <a:cs typeface="Calibri" charset="0"/>
+                      </a:endParaRPr>
+                    </a:p>
+                  </a:txBody>
+                  <a:tcPr marL="76200" marR="76200" marT="76200" marB="76200" vert="horz" anchor="t">
+                    <a:lnL w="12700" cap="flat" cmpd="sng">
+                      <a:solidFill>
+                        <a:srgbClr val="DDDDDD"/>
+                      </a:solidFill>
+                      <a:prstDash val="solid"/>
+                      <a:headEnd type="none" w="med" len="med"/>
+                      <a:tailEnd type="none" w="med" len="med"/>
+                    </a:lnL>
+                    <a:lnR w="12700" cap="flat" cmpd="sng">
+                      <a:solidFill>
+                        <a:srgbClr val="DDDDDD"/>
+                      </a:solidFill>
+                      <a:prstDash val="solid"/>
+                      <a:headEnd type="none" w="med" len="med"/>
+                      <a:tailEnd type="none" w="med" len="med"/>
+                    </a:lnR>
+                    <a:lnT w="12700" cap="flat" cmpd="sng">
+                      <a:solidFill>
+                        <a:srgbClr val="DDDDDD"/>
+                      </a:solidFill>
+                      <a:prstDash val="solid"/>
+                      <a:headEnd type="none" w="med" len="med"/>
+                      <a:tailEnd type="none" w="med" len="med"/>
+                    </a:lnT>
+                    <a:lnB w="12700" cap="flat" cmpd="sng">
+                      <a:solidFill>
+                        <a:srgbClr val="DDDDDD"/>
+                      </a:solidFill>
+                      <a:prstDash val="solid"/>
+                      <a:headEnd type="none" w="med" len="med"/>
+                      <a:tailEnd type="none" w="med" len="med"/>
+                    </a:lnB>
+                    <a:lnTlToBr>
+                      <a:noFill/>
+                    </a:lnTlToBr>
+                    <a:lnBlToTr>
+                      <a:noFill/>
+                    </a:lnBlToTr>
+                    <a:noFill/>
+                  </a:tcPr>
+                </a:tc>
+                <a:tc>
+                  <a:txBody>
+                    <a:bodyPr/>
+                    <a:p>
+                      <a:pPr>
+                        <a:buNone/>
+                      </a:pPr>
+                      <a:r>
+                        <a:rPr lang="en-US" sz="2000">
+                          <a:solidFill>
+                            <a:srgbClr val="1C1B10"/>
+                          </a:solidFill>
+                          <a:latin typeface="Calibri" charset="0"/>
+                          <a:cs typeface="Calibri" charset="0"/>
+                        </a:rPr>
+                        <a:t>MinLowest </a:t>
+                      </a:r>
+                      <a:r>
+                        <a:rPr lang="" altLang="en-US" sz="2000">
+                          <a:solidFill>
+                            <a:srgbClr val="1C1B10"/>
+                          </a:solidFill>
+                          <a:latin typeface="Calibri" charset="0"/>
+                          <a:cs typeface="Calibri" charset="0"/>
+                        </a:rPr>
+                        <a:t>- </a:t>
+                      </a:r>
+                      <a:r>
+                        <a:rPr lang="en-US" sz="2000">
+                          <a:solidFill>
+                            <a:srgbClr val="1C1B10"/>
+                          </a:solidFill>
+                          <a:latin typeface="Calibri" charset="0"/>
+                          <a:cs typeface="Calibri" charset="0"/>
+                        </a:rPr>
+                        <a:t>(minimum) field value</a:t>
+                      </a:r>
+                      <a:endParaRPr lang="en-US" sz="2000">
+                        <a:solidFill>
+                          <a:srgbClr val="1C1B10"/>
+                        </a:solidFill>
+                        <a:latin typeface="Calibri" charset="0"/>
+                        <a:ea typeface="Calibri" charset="0"/>
+                        <a:cs typeface="Calibri" charset="0"/>
+                      </a:endParaRPr>
+                    </a:p>
+                  </a:txBody>
+                  <a:tcPr marL="76200" marR="76200" marT="76200" marB="76200" vert="horz" anchor="t">
+                    <a:lnL w="12700" cap="flat" cmpd="sng">
+                      <a:solidFill>
+                        <a:srgbClr val="DDDDDD"/>
+                      </a:solidFill>
+                      <a:prstDash val="solid"/>
+                      <a:headEnd type="none" w="med" len="med"/>
+                      <a:tailEnd type="none" w="med" len="med"/>
+                    </a:lnL>
+                    <a:lnR w="12700" cap="flat" cmpd="sng">
+                      <a:solidFill>
+                        <a:srgbClr val="DDDDDD"/>
+                      </a:solidFill>
+                      <a:prstDash val="solid"/>
+                      <a:headEnd type="none" w="med" len="med"/>
+                      <a:tailEnd type="none" w="med" len="med"/>
+                    </a:lnR>
+                    <a:lnT w="12700" cap="flat" cmpd="sng">
+                      <a:solidFill>
+                        <a:srgbClr val="DDDDDD"/>
+                      </a:solidFill>
+                      <a:prstDash val="solid"/>
+                      <a:headEnd type="none" w="med" len="med"/>
+                      <a:tailEnd type="none" w="med" len="med"/>
+                    </a:lnT>
+                    <a:lnB w="12700" cap="flat" cmpd="sng">
+                      <a:solidFill>
+                        <a:srgbClr val="DDDDDD"/>
+                      </a:solidFill>
+                      <a:prstDash val="solid"/>
+                      <a:headEnd type="none" w="med" len="med"/>
+                      <a:tailEnd type="none" w="med" len="med"/>
+                    </a:lnB>
+                    <a:lnTlToBr>
+                      <a:noFill/>
+                    </a:lnTlToBr>
+                    <a:lnBlToTr>
+                      <a:noFill/>
+                    </a:lnBlToTr>
+                    <a:noFill/>
+                  </a:tcPr>
+                </a:tc>
+              </a:tr>
+              <a:tr h="469265">
+                <a:tc>
+                  <a:txBody>
+                    <a:bodyPr/>
+                    <a:p>
+                      <a:pPr>
+                        <a:buNone/>
+                      </a:pPr>
+                      <a:r>
+                        <a:rPr lang="en-US" sz="2000">
+                          <a:solidFill>
+                            <a:srgbClr val="1C1B10"/>
+                          </a:solidFill>
+                          <a:latin typeface="Calibri" charset="0"/>
+                          <a:cs typeface="Calibri" charset="0"/>
+                        </a:rPr>
+                        <a:t>4.</a:t>
+                      </a:r>
+                      <a:endParaRPr lang="en-US" sz="2000">
+                        <a:solidFill>
+                          <a:srgbClr val="1C1B10"/>
+                        </a:solidFill>
+                        <a:latin typeface="Calibri" charset="0"/>
+                        <a:ea typeface="Calibri" charset="0"/>
+                        <a:cs typeface="Calibri" charset="0"/>
+                      </a:endParaRPr>
+                    </a:p>
+                  </a:txBody>
+                  <a:tcPr marL="76200" marR="76200" marT="76200" marB="76200" vert="horz" anchor="t">
+                    <a:lnL w="12700" cap="flat" cmpd="sng">
+                      <a:solidFill>
+                        <a:srgbClr val="DDDDDD"/>
+                      </a:solidFill>
+                      <a:prstDash val="solid"/>
+                      <a:headEnd type="none" w="med" len="med"/>
+                      <a:tailEnd type="none" w="med" len="med"/>
+                    </a:lnL>
+                    <a:lnR w="12700" cap="flat" cmpd="sng">
+                      <a:solidFill>
+                        <a:srgbClr val="DDDDDD"/>
+                      </a:solidFill>
+                      <a:prstDash val="solid"/>
+                      <a:headEnd type="none" w="med" len="med"/>
+                      <a:tailEnd type="none" w="med" len="med"/>
+                    </a:lnR>
+                    <a:lnT w="12700" cap="flat" cmpd="sng">
+                      <a:solidFill>
+                        <a:srgbClr val="DDDDDD"/>
+                      </a:solidFill>
+                      <a:prstDash val="solid"/>
+                      <a:headEnd type="none" w="med" len="med"/>
+                      <a:tailEnd type="none" w="med" len="med"/>
+                    </a:lnT>
+                    <a:lnB w="12700" cap="flat" cmpd="sng">
+                      <a:solidFill>
+                        <a:srgbClr val="DDDDDD"/>
+                      </a:solidFill>
+                      <a:prstDash val="solid"/>
+                      <a:headEnd type="none" w="med" len="med"/>
+                      <a:tailEnd type="none" w="med" len="med"/>
+                    </a:lnB>
+                    <a:lnTlToBr>
+                      <a:noFill/>
+                    </a:lnTlToBr>
+                    <a:lnBlToTr>
+                      <a:noFill/>
+                    </a:lnBlToTr>
+                    <a:noFill/>
+                  </a:tcPr>
+                </a:tc>
+                <a:tc>
+                  <a:txBody>
+                    <a:bodyPr/>
+                    <a:p>
+                      <a:pPr>
+                        <a:buNone/>
+                      </a:pPr>
+                      <a:r>
+                        <a:rPr lang="en-US" sz="2000">
+                          <a:solidFill>
+                            <a:srgbClr val="1C1B10"/>
+                          </a:solidFill>
+                          <a:latin typeface="Calibri" charset="0"/>
+                          <a:cs typeface="Calibri" charset="0"/>
+                        </a:rPr>
+                        <a:t>MaxHighest </a:t>
+                      </a:r>
+                      <a:r>
+                        <a:rPr lang="" altLang="en-US" sz="2000">
+                          <a:solidFill>
+                            <a:srgbClr val="1C1B10"/>
+                          </a:solidFill>
+                          <a:latin typeface="Calibri" charset="0"/>
+                          <a:cs typeface="Calibri" charset="0"/>
+                        </a:rPr>
+                        <a:t>- </a:t>
+                      </a:r>
+                      <a:r>
+                        <a:rPr lang="en-US" sz="2000">
+                          <a:solidFill>
+                            <a:srgbClr val="1C1B10"/>
+                          </a:solidFill>
+                          <a:latin typeface="Calibri" charset="0"/>
+                          <a:cs typeface="Calibri" charset="0"/>
+                        </a:rPr>
+                        <a:t>(maximum) field value</a:t>
+                      </a:r>
+                      <a:endParaRPr lang="en-US" sz="2000">
+                        <a:solidFill>
+                          <a:srgbClr val="1C1B10"/>
+                        </a:solidFill>
+                        <a:latin typeface="Calibri" charset="0"/>
+                        <a:ea typeface="Calibri" charset="0"/>
+                        <a:cs typeface="Calibri" charset="0"/>
+                      </a:endParaRPr>
+                    </a:p>
+                  </a:txBody>
+                  <a:tcPr marL="76200" marR="76200" marT="76200" marB="76200" vert="horz" anchor="t">
+                    <a:lnL w="12700" cap="flat" cmpd="sng">
+                      <a:solidFill>
+                        <a:srgbClr val="DDDDDD"/>
+                      </a:solidFill>
+                      <a:prstDash val="solid"/>
+                      <a:headEnd type="none" w="med" len="med"/>
+                      <a:tailEnd type="none" w="med" len="med"/>
+                    </a:lnL>
+                    <a:lnR w="12700" cap="flat" cmpd="sng">
+                      <a:solidFill>
+                        <a:srgbClr val="DDDDDD"/>
+                      </a:solidFill>
+                      <a:prstDash val="solid"/>
+                      <a:headEnd type="none" w="med" len="med"/>
+                      <a:tailEnd type="none" w="med" len="med"/>
+                    </a:lnR>
+                    <a:lnT w="12700" cap="flat" cmpd="sng">
+                      <a:solidFill>
+                        <a:srgbClr val="DDDDDD"/>
+                      </a:solidFill>
+                      <a:prstDash val="solid"/>
+                      <a:headEnd type="none" w="med" len="med"/>
+                      <a:tailEnd type="none" w="med" len="med"/>
+                    </a:lnT>
+                    <a:lnB w="12700" cap="flat" cmpd="sng">
+                      <a:solidFill>
+                        <a:srgbClr val="DDDDDD"/>
+                      </a:solidFill>
+                      <a:prstDash val="solid"/>
+                      <a:headEnd type="none" w="med" len="med"/>
+                      <a:tailEnd type="none" w="med" len="med"/>
+                    </a:lnB>
+                    <a:lnTlToBr>
+                      <a:noFill/>
+                    </a:lnTlToBr>
+                    <a:lnBlToTr>
+                      <a:noFill/>
+                    </a:lnBlToTr>
+                    <a:noFill/>
+                  </a:tcPr>
+                </a:tc>
+              </a:tr>
+              <a:tr h="469900">
+                <a:tc>
+                  <a:txBody>
+                    <a:bodyPr/>
+                    <a:p>
+                      <a:pPr>
+                        <a:buNone/>
+                      </a:pPr>
+                      <a:r>
+                        <a:rPr lang="en-US" sz="2000">
+                          <a:solidFill>
+                            <a:srgbClr val="1C1B10"/>
+                          </a:solidFill>
+                          <a:latin typeface="Calibri" charset="0"/>
+                          <a:cs typeface="Calibri" charset="0"/>
+                        </a:rPr>
+                        <a:t>5.</a:t>
+                      </a:r>
+                      <a:endParaRPr lang="en-US" sz="2000">
+                        <a:solidFill>
+                          <a:srgbClr val="1C1B10"/>
+                        </a:solidFill>
+                        <a:latin typeface="Calibri" charset="0"/>
+                        <a:ea typeface="Calibri" charset="0"/>
+                        <a:cs typeface="Calibri" charset="0"/>
+                      </a:endParaRPr>
+                    </a:p>
+                  </a:txBody>
+                  <a:tcPr marL="76200" marR="76200" marT="76200" marB="76200" vert="horz" anchor="t">
+                    <a:lnL w="12700" cap="flat" cmpd="sng">
+                      <a:solidFill>
+                        <a:srgbClr val="DDDDDD"/>
+                      </a:solidFill>
+                      <a:prstDash val="solid"/>
+                      <a:headEnd type="none" w="med" len="med"/>
+                      <a:tailEnd type="none" w="med" len="med"/>
+                    </a:lnL>
+                    <a:lnR w="12700" cap="flat" cmpd="sng">
+                      <a:solidFill>
+                        <a:srgbClr val="DDDDDD"/>
+                      </a:solidFill>
+                      <a:prstDash val="solid"/>
+                      <a:headEnd type="none" w="med" len="med"/>
+                      <a:tailEnd type="none" w="med" len="med"/>
+                    </a:lnR>
+                    <a:lnT w="12700" cap="flat" cmpd="sng">
+                      <a:solidFill>
+                        <a:srgbClr val="DDDDDD"/>
+                      </a:solidFill>
+                      <a:prstDash val="solid"/>
+                      <a:headEnd type="none" w="med" len="med"/>
+                      <a:tailEnd type="none" w="med" len="med"/>
+                    </a:lnT>
+                    <a:lnB w="12700" cap="flat" cmpd="sng">
+                      <a:solidFill>
+                        <a:srgbClr val="DDDDDD"/>
+                      </a:solidFill>
+                      <a:prstDash val="solid"/>
+                      <a:headEnd type="none" w="med" len="med"/>
+                      <a:tailEnd type="none" w="med" len="med"/>
+                    </a:lnB>
+                    <a:lnTlToBr>
+                      <a:noFill/>
+                    </a:lnTlToBr>
+                    <a:lnBlToTr>
+                      <a:noFill/>
+                    </a:lnBlToTr>
+                    <a:noFill/>
+                  </a:tcPr>
+                </a:tc>
+                <a:tc>
+                  <a:txBody>
+                    <a:bodyPr/>
+                    <a:p>
+                      <a:pPr>
+                        <a:buNone/>
+                      </a:pPr>
+                      <a:r>
+                        <a:rPr lang="en-US" sz="2000">
+                          <a:solidFill>
+                            <a:srgbClr val="1C1B10"/>
+                          </a:solidFill>
+                          <a:latin typeface="Calibri" charset="0"/>
+                          <a:cs typeface="Calibri" charset="0"/>
+                        </a:rPr>
+                        <a:t>CountCount </a:t>
+                      </a:r>
+                      <a:r>
+                        <a:rPr lang="" altLang="en-US" sz="2000">
+                          <a:solidFill>
+                            <a:srgbClr val="1C1B10"/>
+                          </a:solidFill>
+                          <a:latin typeface="Calibri" charset="0"/>
+                          <a:cs typeface="Calibri" charset="0"/>
+                        </a:rPr>
+                        <a:t>- </a:t>
+                      </a:r>
+                      <a:r>
+                        <a:rPr lang="en-US" sz="2000">
+                          <a:solidFill>
+                            <a:srgbClr val="1C1B10"/>
+                          </a:solidFill>
+                          <a:latin typeface="Calibri" charset="0"/>
+                          <a:cs typeface="Calibri" charset="0"/>
+                        </a:rPr>
+                        <a:t>of the values (records)</a:t>
+                      </a:r>
+                      <a:endParaRPr lang="en-US" sz="2000">
+                        <a:solidFill>
+                          <a:srgbClr val="1C1B10"/>
+                        </a:solidFill>
+                        <a:latin typeface="Calibri" charset="0"/>
+                        <a:ea typeface="Calibri" charset="0"/>
+                        <a:cs typeface="Calibri" charset="0"/>
+                      </a:endParaRPr>
+                    </a:p>
+                  </a:txBody>
+                  <a:tcPr marL="76200" marR="76200" marT="76200" marB="76200" vert="horz" anchor="t">
+                    <a:lnL w="12700" cap="flat" cmpd="sng">
+                      <a:solidFill>
+                        <a:srgbClr val="DDDDDD"/>
+                      </a:solidFill>
+                      <a:prstDash val="solid"/>
+                      <a:headEnd type="none" w="med" len="med"/>
+                      <a:tailEnd type="none" w="med" len="med"/>
+                    </a:lnL>
+                    <a:lnR w="12700" cap="flat" cmpd="sng">
+                      <a:solidFill>
+                        <a:srgbClr val="DDDDDD"/>
+                      </a:solidFill>
+                      <a:prstDash val="solid"/>
+                      <a:headEnd type="none" w="med" len="med"/>
+                      <a:tailEnd type="none" w="med" len="med"/>
+                    </a:lnR>
+                    <a:lnT w="12700" cap="flat" cmpd="sng">
+                      <a:solidFill>
+                        <a:srgbClr val="DDDDDD"/>
+                      </a:solidFill>
+                      <a:prstDash val="solid"/>
+                      <a:headEnd type="none" w="med" len="med"/>
+                      <a:tailEnd type="none" w="med" len="med"/>
+                    </a:lnT>
+                    <a:lnB w="12700" cap="flat" cmpd="sng">
+                      <a:solidFill>
+                        <a:srgbClr val="DDDDDD"/>
+                      </a:solidFill>
+                      <a:prstDash val="solid"/>
+                      <a:headEnd type="none" w="med" len="med"/>
+                      <a:tailEnd type="none" w="med" len="med"/>
+                    </a:lnB>
+                    <a:lnTlToBr>
+                      <a:noFill/>
+                    </a:lnTlToBr>
+                    <a:lnBlToTr>
+                      <a:noFill/>
+                    </a:lnBlToTr>
+                    <a:noFill/>
+                  </a:tcPr>
+                </a:tc>
+              </a:tr>
+              <a:tr h="725805">
+                <a:tc>
+                  <a:txBody>
+                    <a:bodyPr/>
+                    <a:p>
+                      <a:pPr>
+                        <a:buNone/>
+                      </a:pPr>
+                      <a:r>
+                        <a:rPr lang="en-US" sz="2000">
+                          <a:solidFill>
+                            <a:srgbClr val="1C1B10"/>
+                          </a:solidFill>
+                          <a:latin typeface="Calibri" charset="0"/>
+                          <a:cs typeface="Calibri" charset="0"/>
+                        </a:rPr>
+                        <a:t>6.</a:t>
+                      </a:r>
+                      <a:endParaRPr lang="en-US" sz="2000">
+                        <a:solidFill>
+                          <a:srgbClr val="1C1B10"/>
+                        </a:solidFill>
+                        <a:latin typeface="Calibri" charset="0"/>
+                        <a:ea typeface="Calibri" charset="0"/>
+                        <a:cs typeface="Calibri" charset="0"/>
+                      </a:endParaRPr>
+                    </a:p>
+                  </a:txBody>
+                  <a:tcPr marL="76200" marR="76200" marT="76200" marB="76200" vert="horz" anchor="t">
+                    <a:lnL w="12700" cap="flat" cmpd="sng">
+                      <a:solidFill>
+                        <a:srgbClr val="DDDDDD"/>
+                      </a:solidFill>
+                      <a:prstDash val="solid"/>
+                      <a:headEnd type="none" w="med" len="med"/>
+                      <a:tailEnd type="none" w="med" len="med"/>
+                    </a:lnL>
+                    <a:lnR w="12700" cap="flat" cmpd="sng">
+                      <a:solidFill>
+                        <a:srgbClr val="DDDDDD"/>
+                      </a:solidFill>
+                      <a:prstDash val="solid"/>
+                      <a:headEnd type="none" w="med" len="med"/>
+                      <a:tailEnd type="none" w="med" len="med"/>
+                    </a:lnR>
+                    <a:lnT w="12700" cap="flat" cmpd="sng">
+                      <a:solidFill>
+                        <a:srgbClr val="DDDDDD"/>
+                      </a:solidFill>
+                      <a:prstDash val="solid"/>
+                      <a:headEnd type="none" w="med" len="med"/>
+                      <a:tailEnd type="none" w="med" len="med"/>
+                    </a:lnT>
+                    <a:lnB w="12700" cap="flat" cmpd="sng">
+                      <a:solidFill>
+                        <a:srgbClr val="DDDDDD"/>
+                      </a:solidFill>
+                      <a:prstDash val="solid"/>
+                      <a:headEnd type="none" w="med" len="med"/>
+                      <a:tailEnd type="none" w="med" len="med"/>
+                    </a:lnB>
+                    <a:lnTlToBr>
+                      <a:noFill/>
+                    </a:lnTlToBr>
+                    <a:lnBlToTr>
+                      <a:noFill/>
+                    </a:lnBlToTr>
+                    <a:noFill/>
+                  </a:tcPr>
+                </a:tc>
+                <a:tc>
+                  <a:txBody>
+                    <a:bodyPr/>
+                    <a:p>
+                      <a:pPr>
+                        <a:buNone/>
+                      </a:pPr>
+                      <a:r>
+                        <a:rPr lang="en-US" sz="2000">
+                          <a:solidFill>
+                            <a:srgbClr val="1C1B10"/>
+                          </a:solidFill>
+                          <a:latin typeface="Calibri" charset="0"/>
+                          <a:cs typeface="Calibri" charset="0"/>
+                        </a:rPr>
+                        <a:t>StDevStandard </a:t>
+                      </a:r>
+                      <a:r>
+                        <a:rPr lang="" altLang="en-US" sz="2000">
+                          <a:solidFill>
+                            <a:srgbClr val="1C1B10"/>
+                          </a:solidFill>
+                          <a:latin typeface="Calibri" charset="0"/>
+                          <a:cs typeface="Calibri" charset="0"/>
+                        </a:rPr>
+                        <a:t>- </a:t>
+                      </a:r>
+                      <a:r>
+                        <a:rPr lang="en-US" sz="2000">
+                          <a:solidFill>
+                            <a:srgbClr val="1C1B10"/>
+                          </a:solidFill>
+                          <a:latin typeface="Calibri" charset="0"/>
+                          <a:cs typeface="Calibri" charset="0"/>
+                        </a:rPr>
+                        <a:t>deviation of the field values including date/time fields</a:t>
+                      </a:r>
+                      <a:endParaRPr lang="en-US" sz="2000">
+                        <a:solidFill>
+                          <a:srgbClr val="1C1B10"/>
+                        </a:solidFill>
+                        <a:latin typeface="Calibri" charset="0"/>
+                        <a:ea typeface="Calibri" charset="0"/>
+                        <a:cs typeface="Calibri" charset="0"/>
+                      </a:endParaRPr>
+                    </a:p>
+                  </a:txBody>
+                  <a:tcPr marL="76200" marR="76200" marT="76200" marB="76200" vert="horz" anchor="t">
+                    <a:lnL w="12700" cap="flat" cmpd="sng">
+                      <a:solidFill>
+                        <a:srgbClr val="DDDDDD"/>
+                      </a:solidFill>
+                      <a:prstDash val="solid"/>
+                      <a:headEnd type="none" w="med" len="med"/>
+                      <a:tailEnd type="none" w="med" len="med"/>
+                    </a:lnL>
+                    <a:lnR w="12700" cap="flat" cmpd="sng">
+                      <a:solidFill>
+                        <a:srgbClr val="DDDDDD"/>
+                      </a:solidFill>
+                      <a:prstDash val="solid"/>
+                      <a:headEnd type="none" w="med" len="med"/>
+                      <a:tailEnd type="none" w="med" len="med"/>
+                    </a:lnR>
+                    <a:lnT w="12700" cap="flat" cmpd="sng">
+                      <a:solidFill>
+                        <a:srgbClr val="DDDDDD"/>
+                      </a:solidFill>
+                      <a:prstDash val="solid"/>
+                      <a:headEnd type="none" w="med" len="med"/>
+                      <a:tailEnd type="none" w="med" len="med"/>
+                    </a:lnT>
+                    <a:lnB w="12700" cap="flat" cmpd="sng">
+                      <a:solidFill>
+                        <a:srgbClr val="DDDDDD"/>
+                      </a:solidFill>
+                      <a:prstDash val="solid"/>
+                      <a:headEnd type="none" w="med" len="med"/>
+                      <a:tailEnd type="none" w="med" len="med"/>
+                    </a:lnB>
+                    <a:lnTlToBr>
+                      <a:noFill/>
+                    </a:lnTlToBr>
+                    <a:lnBlToTr>
+                      <a:noFill/>
+                    </a:lnBlToTr>
+                    <a:noFill/>
+                  </a:tcPr>
+                </a:tc>
+              </a:tr>
+              <a:tr h="469265">
+                <a:tc>
+                  <a:txBody>
+                    <a:bodyPr/>
+                    <a:p>
+                      <a:pPr>
+                        <a:buNone/>
+                      </a:pPr>
+                      <a:r>
+                        <a:rPr lang="en-US" sz="2000">
+                          <a:solidFill>
+                            <a:srgbClr val="1C1B10"/>
+                          </a:solidFill>
+                          <a:latin typeface="Calibri" charset="0"/>
+                          <a:cs typeface="Calibri" charset="0"/>
+                        </a:rPr>
+                        <a:t>7.</a:t>
+                      </a:r>
+                      <a:endParaRPr lang="en-US" sz="2000">
+                        <a:solidFill>
+                          <a:srgbClr val="1C1B10"/>
+                        </a:solidFill>
+                        <a:latin typeface="Calibri" charset="0"/>
+                        <a:ea typeface="Calibri" charset="0"/>
+                        <a:cs typeface="Calibri" charset="0"/>
+                      </a:endParaRPr>
+                    </a:p>
+                  </a:txBody>
+                  <a:tcPr marL="76200" marR="76200" marT="76200" marB="76200" vert="horz" anchor="t">
+                    <a:lnL w="12700" cap="flat" cmpd="sng">
+                      <a:solidFill>
+                        <a:srgbClr val="DDDDDD"/>
+                      </a:solidFill>
+                      <a:prstDash val="solid"/>
+                      <a:headEnd type="none" w="med" len="med"/>
+                      <a:tailEnd type="none" w="med" len="med"/>
+                    </a:lnL>
+                    <a:lnR w="12700" cap="flat" cmpd="sng">
+                      <a:solidFill>
+                        <a:srgbClr val="DDDDDD"/>
+                      </a:solidFill>
+                      <a:prstDash val="solid"/>
+                      <a:headEnd type="none" w="med" len="med"/>
+                      <a:tailEnd type="none" w="med" len="med"/>
+                    </a:lnR>
+                    <a:lnT w="12700" cap="flat" cmpd="sng">
+                      <a:solidFill>
+                        <a:srgbClr val="DDDDDD"/>
+                      </a:solidFill>
+                      <a:prstDash val="solid"/>
+                      <a:headEnd type="none" w="med" len="med"/>
+                      <a:tailEnd type="none" w="med" len="med"/>
+                    </a:lnT>
+                    <a:lnB w="12700" cap="flat" cmpd="sng">
+                      <a:solidFill>
+                        <a:srgbClr val="DDDDDD"/>
+                      </a:solidFill>
+                      <a:prstDash val="solid"/>
+                      <a:headEnd type="none" w="med" len="med"/>
+                      <a:tailEnd type="none" w="med" len="med"/>
+                    </a:lnB>
+                    <a:lnTlToBr>
+                      <a:noFill/>
+                    </a:lnTlToBr>
+                    <a:lnBlToTr>
+                      <a:noFill/>
+                    </a:lnBlToTr>
+                    <a:noFill/>
+                  </a:tcPr>
+                </a:tc>
+                <a:tc>
+                  <a:txBody>
+                    <a:bodyPr/>
+                    <a:p>
+                      <a:pPr>
+                        <a:buNone/>
+                      </a:pPr>
+                      <a:r>
+                        <a:rPr lang="en-US" sz="2000">
+                          <a:solidFill>
+                            <a:srgbClr val="1C1B10"/>
+                          </a:solidFill>
+                          <a:latin typeface="Calibri" charset="0"/>
+                          <a:cs typeface="Calibri" charset="0"/>
+                        </a:rPr>
+                        <a:t>VarVariance </a:t>
+                      </a:r>
+                      <a:r>
+                        <a:rPr lang="" altLang="en-US" sz="2000">
+                          <a:solidFill>
+                            <a:srgbClr val="1C1B10"/>
+                          </a:solidFill>
+                          <a:latin typeface="Calibri" charset="0"/>
+                          <a:cs typeface="Calibri" charset="0"/>
+                        </a:rPr>
+                        <a:t>- </a:t>
+                      </a:r>
+                      <a:r>
+                        <a:rPr lang="en-US" sz="2000">
+                          <a:solidFill>
+                            <a:srgbClr val="1C1B10"/>
+                          </a:solidFill>
+                          <a:latin typeface="Calibri" charset="0"/>
+                          <a:cs typeface="Calibri" charset="0"/>
+                        </a:rPr>
+                        <a:t>of the field values including date/time</a:t>
+                      </a:r>
+                      <a:endParaRPr lang="en-US" sz="2000">
+                        <a:solidFill>
+                          <a:srgbClr val="1C1B10"/>
+                        </a:solidFill>
+                        <a:latin typeface="Calibri" charset="0"/>
+                        <a:ea typeface="Calibri" charset="0"/>
+                        <a:cs typeface="Calibri" charset="0"/>
+                      </a:endParaRPr>
+                    </a:p>
+                  </a:txBody>
+                  <a:tcPr marL="76200" marR="76200" marT="76200" marB="76200" vert="horz" anchor="t">
+                    <a:lnL w="12700" cap="flat" cmpd="sng">
+                      <a:solidFill>
+                        <a:srgbClr val="DDDDDD"/>
+                      </a:solidFill>
+                      <a:prstDash val="solid"/>
+                      <a:headEnd type="none" w="med" len="med"/>
+                      <a:tailEnd type="none" w="med" len="med"/>
+                    </a:lnL>
+                    <a:lnR w="12700" cap="flat" cmpd="sng">
+                      <a:solidFill>
+                        <a:srgbClr val="DDDDDD"/>
+                      </a:solidFill>
+                      <a:prstDash val="solid"/>
+                      <a:headEnd type="none" w="med" len="med"/>
+                      <a:tailEnd type="none" w="med" len="med"/>
+                    </a:lnR>
+                    <a:lnT w="12700" cap="flat" cmpd="sng">
+                      <a:solidFill>
+                        <a:srgbClr val="DDDDDD"/>
+                      </a:solidFill>
+                      <a:prstDash val="solid"/>
+                      <a:headEnd type="none" w="med" len="med"/>
+                      <a:tailEnd type="none" w="med" len="med"/>
+                    </a:lnT>
+                    <a:lnB w="12700" cap="flat" cmpd="sng">
+                      <a:solidFill>
+                        <a:srgbClr val="DDDDDD"/>
+                      </a:solidFill>
+                      <a:prstDash val="solid"/>
+                      <a:headEnd type="none" w="med" len="med"/>
+                      <a:tailEnd type="none" w="med" len="med"/>
+                    </a:lnB>
+                    <a:lnTlToBr>
+                      <a:noFill/>
+                    </a:lnTlToBr>
+                    <a:lnBlToTr>
+                      <a:noFill/>
+                    </a:lnBlToTr>
+                    <a:noFill/>
+                  </a:tcPr>
+                </a:tc>
+              </a:tr>
+            </a:tbl>
+          </a:graphicData>
+        </a:graphic>
+      </p:graphicFrame>
     </p:spTree>
   </p:cSld>
   <p:clrMapOvr>
@@ -4155,7 +5523,7 @@
           </a:bodyPr>
           <a:p>
             <a:r>
-              <a:rPr lang="en-US" altLang="en-US" sz="4000">
+              <a:rPr lang="" altLang="en-US" sz="4000">
                 <a:solidFill>
                   <a:schemeClr val="bg1"/>
                 </a:solidFill>
@@ -4167,9 +5535,54 @@
                   </a:outerShdw>
                 </a:effectLst>
               </a:rPr>
-              <a:t>Example</a:t>
-            </a:r>
-            <a:endParaRPr lang="en-US" altLang="en-US" sz="4000">
+              <a:t>Q</a:t>
+            </a:r>
+            <a:r>
+              <a:rPr lang="en-US" sz="4000">
+                <a:solidFill>
+                  <a:schemeClr val="bg1"/>
+                </a:solidFill>
+                <a:effectLst>
+                  <a:outerShdw blurRad="38100" dist="19050" dir="2700000" algn="tl" rotWithShape="0">
+                    <a:schemeClr val="dk1">
+                      <a:alpha val="40000"/>
+                    </a:schemeClr>
+                  </a:outerShdw>
+                </a:effectLst>
+              </a:rPr>
+              <a:t>uery </a:t>
+            </a:r>
+            <a:r>
+              <a:rPr lang="" altLang="en-US" sz="4000">
+                <a:solidFill>
+                  <a:schemeClr val="bg1"/>
+                </a:solidFill>
+                <a:effectLst>
+                  <a:outerShdw blurRad="38100" dist="19050" dir="2700000" algn="tl" rotWithShape="0">
+                    <a:schemeClr val="dk1">
+                      <a:alpha val="40000"/>
+                    </a:schemeClr>
+                  </a:outerShdw>
+                </a:effectLst>
+              </a:rPr>
+              <a:t>G</a:t>
+            </a:r>
+            <a:r>
+              <a:rPr lang="en-US" sz="4000">
+                <a:solidFill>
+                  <a:schemeClr val="bg1"/>
+                </a:solidFill>
+                <a:effectLst>
+                  <a:outerShdw blurRad="38100" dist="19050" dir="2700000" algn="tl" rotWithShape="0">
+                    <a:schemeClr val="dk1">
+                      <a:alpha val="40000"/>
+                    </a:schemeClr>
+                  </a:outerShdw>
+                </a:effectLst>
+              </a:rPr>
+              <a:t>rid</a:t>
+            </a:r>
+            <a:endParaRPr lang="en-US" sz="4000">
               <a:solidFill>
                 <a:schemeClr val="bg1"/>
               </a:solidFill>
@@ -4186,7 +5599,7 @@
       </p:sp>
       <p:pic>
         <p:nvPicPr>
-          <p:cNvPr id="4" name="Picture 2" descr="IMG_257"/>
+          <p:cNvPr id="14" name="Picture 2" descr="IMG_257"/>
           <p:cNvPicPr>
             <a:picLocks noChangeAspect="1"/>
           </p:cNvPicPr>
@@ -4202,8 +5615,8 @@
         </p:blipFill>
         <p:spPr>
           <a:xfrm>
-            <a:off x="1113790" y="1899285"/>
-            <a:ext cx="5715000" cy="3886200"/>
+            <a:off x="2178050" y="1861185"/>
+            <a:ext cx="7243445" cy="4020185"/>
           </a:xfrm>
           <a:prstGeom prst="rect">
             <a:avLst/>
@@ -4447,7 +5860,7 @@
           </a:bodyPr>
           <a:p>
             <a:r>
-              <a:rPr lang="en-US" altLang="en-US" sz="4000">
+              <a:rPr lang="" altLang="en-US" sz="4000">
                 <a:solidFill>
                   <a:schemeClr val="bg1"/>
                 </a:solidFill>
@@ -4459,9 +5872,99 @@
                   </a:outerShdw>
                 </a:effectLst>
               </a:rPr>
-              <a:t>Example</a:t>
-            </a:r>
-            <a:endParaRPr lang="en-US" altLang="en-US" sz="4000">
+              <a:t>R</a:t>
+            </a:r>
+            <a:r>
+              <a:rPr lang="en-US" sz="4000">
+                <a:solidFill>
+                  <a:schemeClr val="bg1"/>
+                </a:solidFill>
+                <a:effectLst>
+                  <a:outerShdw blurRad="38100" dist="19050" dir="2700000" algn="tl" rotWithShape="0">
+                    <a:schemeClr val="dk1">
+                      <a:alpha val="40000"/>
+                    </a:schemeClr>
+                  </a:outerShdw>
+                </a:effectLst>
+              </a:rPr>
+              <a:t>un th</a:t>
+            </a:r>
+            <a:r>
+              <a:rPr lang="" altLang="en-US" sz="4000">
+                <a:solidFill>
+                  <a:schemeClr val="bg1"/>
+                </a:solidFill>
+                <a:effectLst>
+                  <a:outerShdw blurRad="38100" dist="19050" dir="2700000" algn="tl" rotWithShape="0">
+                    <a:schemeClr val="dk1">
+                      <a:alpha val="40000"/>
+                    </a:schemeClr>
+                  </a:outerShdw>
+                </a:effectLst>
+              </a:rPr>
+              <a:t>e</a:t>
+            </a:r>
+            <a:r>
+              <a:rPr lang="en-US" sz="4000">
+                <a:solidFill>
+                  <a:schemeClr val="bg1"/>
+                </a:solidFill>
+                <a:effectLst>
+                  <a:outerShdw blurRad="38100" dist="19050" dir="2700000" algn="tl" rotWithShape="0">
+                    <a:schemeClr val="dk1">
+                      <a:alpha val="40000"/>
+                    </a:schemeClr>
+                  </a:outerShdw>
+                </a:effectLst>
+              </a:rPr>
+              <a:t> </a:t>
+            </a:r>
+            <a:r>
+              <a:rPr lang="" altLang="en-US" sz="4000">
+                <a:solidFill>
+                  <a:schemeClr val="bg1"/>
+                </a:solidFill>
+                <a:effectLst>
+                  <a:outerShdw blurRad="38100" dist="19050" dir="2700000" algn="tl" rotWithShape="0">
+                    <a:schemeClr val="dk1">
+                      <a:alpha val="40000"/>
+                    </a:schemeClr>
+                  </a:outerShdw>
+                </a:effectLst>
+              </a:rPr>
+              <a:t>Q</a:t>
+            </a:r>
+            <a:r>
+              <a:rPr lang="en-US" sz="4000">
+                <a:solidFill>
+                  <a:schemeClr val="bg1"/>
+                </a:solidFill>
+                <a:effectLst>
+                  <a:outerShdw blurRad="38100" dist="19050" dir="2700000" algn="tl" rotWithShape="0">
+                    <a:schemeClr val="dk1">
+                      <a:alpha val="40000"/>
+                    </a:schemeClr>
+                  </a:outerShdw>
+                </a:effectLst>
+              </a:rPr>
+              <a:t>uer</a:t>
+            </a:r>
+            <a:r>
+              <a:rPr lang="" altLang="en-US" sz="4000">
+                <a:solidFill>
+                  <a:schemeClr val="bg1"/>
+                </a:solidFill>
+                <a:effectLst>
+                  <a:outerShdw blurRad="38100" dist="19050" dir="2700000" algn="tl" rotWithShape="0">
+                    <a:schemeClr val="dk1">
+                      <a:alpha val="40000"/>
+                    </a:schemeClr>
+                  </a:outerShdw>
+                </a:effectLst>
+              </a:rPr>
+              <a:t>y</a:t>
+            </a:r>
+            <a:endParaRPr lang="" altLang="en-US" sz="4000">
               <a:solidFill>
                 <a:schemeClr val="bg1"/>
               </a:solidFill>
@@ -4478,7 +5981,7 @@
       </p:sp>
       <p:pic>
         <p:nvPicPr>
-          <p:cNvPr id="3" name="Picture 3" descr="IMG_258"/>
+          <p:cNvPr id="8" name="Picture 3" descr="IMG_258"/>
           <p:cNvPicPr>
             <a:picLocks noChangeAspect="1"/>
           </p:cNvPicPr>
@@ -4486,7 +5989,7 @@
         </p:nvPicPr>
         <p:blipFill>
           <a:blip r:embed="rId4">
-            <a:lum bright="-6000"/>
+            <a:lum bright="-12000"/>
           </a:blip>
           <a:stretch>
             <a:fillRect/>
@@ -4494,8 +5997,8 @@
         </p:blipFill>
         <p:spPr>
           <a:xfrm>
-            <a:off x="440690" y="2333943"/>
-            <a:ext cx="5715000" cy="3133725"/>
+            <a:off x="2433320" y="1732915"/>
+            <a:ext cx="6988175" cy="3878580"/>
           </a:xfrm>
           <a:prstGeom prst="rect">
             <a:avLst/>
@@ -4506,42 +6009,6 @@
           </a:ln>
         </p:spPr>
       </p:pic>
-      <p:sp>
-        <p:nvSpPr>
-          <p:cNvPr id="100" name="Text Box 99"/>
-          <p:cNvSpPr txBox="1"/>
-          <p:nvPr/>
-        </p:nvSpPr>
-        <p:spPr>
-          <a:xfrm>
-            <a:off x="6322695" y="3335020"/>
-            <a:ext cx="5080000" cy="922020"/>
-          </a:xfrm>
-          <a:prstGeom prst="rect">
-            <a:avLst/>
-          </a:prstGeom>
-          <a:noFill/>
-          <a:ln w="9525">
-            <a:noFill/>
-          </a:ln>
-        </p:spPr>
-        <p:txBody>
-          <a:bodyPr>
-            <a:spAutoFit/>
-          </a:bodyPr>
-          <a:p>
-            <a:pPr marL="0" indent="0"/>
-            <a:r>
-              <a:rPr lang="en-US" b="0">
-                <a:latin typeface="Calibri" charset="0"/>
-                <a:cs typeface="SimSun" charset="0"/>
-              </a:rPr>
-              <a:t>Select the field you want to see as a query result as shown in the following screenshot</a:t>
-            </a:r>
-            <a:endParaRPr lang="en-US"/>
-          </a:p>
-        </p:txBody>
-      </p:sp>
     </p:spTree>
   </p:cSld>
   <p:clrMapOvr>
@@ -4775,7 +6242,7 @@
           </a:bodyPr>
           <a:p>
             <a:r>
-              <a:rPr lang="en-US" altLang="en-US" sz="4000">
+              <a:rPr lang="en-US" sz="4000">
                 <a:solidFill>
                   <a:schemeClr val="bg1"/>
                 </a:solidFill>
@@ -4787,9 +6254,9 @@
                   </a:outerShdw>
                 </a:effectLst>
               </a:rPr>
-              <a:t>Example</a:t>
-            </a:r>
-            <a:endParaRPr lang="en-US" altLang="en-US" sz="4000">
+              <a:t>Sigma symbo</a:t>
+            </a:r>
+            <a:endParaRPr lang="en-US" sz="4000">
               <a:solidFill>
                 <a:schemeClr val="bg1"/>
               </a:solidFill>
@@ -4804,42 +6271,9 @@
           </a:p>
         </p:txBody>
       </p:sp>
-      <p:sp>
-        <p:nvSpPr>
-          <p:cNvPr id="100" name="Text Box 99"/>
-          <p:cNvSpPr txBox="1"/>
-          <p:nvPr/>
-        </p:nvSpPr>
-        <p:spPr>
-          <a:xfrm>
-            <a:off x="6677025" y="2548255"/>
-            <a:ext cx="5080000" cy="645160"/>
-          </a:xfrm>
-          <a:prstGeom prst="rect">
-            <a:avLst/>
-          </a:prstGeom>
-          <a:noFill/>
-          <a:ln w="9525">
-            <a:noFill/>
-          </a:ln>
-        </p:spPr>
-        <p:txBody>
-          <a:bodyPr>
-            <a:spAutoFit/>
-          </a:bodyPr>
-          <a:p>
-            <a:pPr marL="0" indent="0"/>
-            <a:r>
-              <a:rPr lang="en-US"/>
-              <a:t>run your query and you will see the following prompt</a:t>
-            </a:r>
-            <a:endParaRPr lang="en-US"/>
-          </a:p>
-        </p:txBody>
-      </p:sp>
       <p:pic>
         <p:nvPicPr>
-          <p:cNvPr id="7" name="Picture 4" descr="IMG_259"/>
+          <p:cNvPr id="3" name="Picture 4" descr="IMG_259"/>
           <p:cNvPicPr>
             <a:picLocks noChangeAspect="1"/>
           </p:cNvPicPr>
@@ -4855,38 +6289,8 @@
         </p:blipFill>
         <p:spPr>
           <a:xfrm>
-            <a:off x="440690" y="1691958"/>
-            <a:ext cx="5715000" cy="3133725"/>
-          </a:xfrm>
-          <a:prstGeom prst="rect">
-            <a:avLst/>
-          </a:prstGeom>
-          <a:noFill/>
-          <a:ln w="9525">
-            <a:noFill/>
-          </a:ln>
-        </p:spPr>
-      </p:pic>
-      <p:pic>
-        <p:nvPicPr>
-          <p:cNvPr id="8" name="Picture 5" descr="IMG_260"/>
-          <p:cNvPicPr>
-            <a:picLocks noChangeAspect="1"/>
-          </p:cNvPicPr>
-          <p:nvPr/>
-        </p:nvPicPr>
-        <p:blipFill>
-          <a:blip r:embed="rId5">
-            <a:lum bright="-6000"/>
-          </a:blip>
-          <a:stretch>
-            <a:fillRect/>
-          </a:stretch>
-        </p:blipFill>
-        <p:spPr>
-          <a:xfrm>
-            <a:off x="7477760" y="3427730"/>
-            <a:ext cx="3320415" cy="1738630"/>
+            <a:off x="1821180" y="1563370"/>
+            <a:ext cx="7600315" cy="4218305"/>
           </a:xfrm>
           <a:prstGeom prst="rect">
             <a:avLst/>
@@ -5130,7 +6534,7 @@
           </a:bodyPr>
           <a:p>
             <a:r>
-              <a:rPr lang="en-US" altLang="en-US" sz="4000">
+              <a:rPr lang="en-US" sz="4000">
                 <a:solidFill>
                   <a:schemeClr val="bg1"/>
                 </a:solidFill>
@@ -5142,9 +6546,9 @@
                   </a:outerShdw>
                 </a:effectLst>
               </a:rPr>
-              <a:t>Example</a:t>
-            </a:r>
-            <a:endParaRPr lang="en-US" altLang="en-US" sz="4000">
+              <a:t>Concatenation in Access</a:t>
+            </a:r>
+            <a:endParaRPr lang="en-US" sz="4000">
               <a:solidFill>
                 <a:schemeClr val="bg1"/>
               </a:solidFill>
@@ -5159,6 +6563,45 @@
           </a:p>
         </p:txBody>
       </p:sp>
+      <p:pic>
+        <p:nvPicPr>
+          <p:cNvPr id="4" name="Picture 3"/>
+          <p:cNvPicPr>
+            <a:picLocks noChangeAspect="1"/>
+          </p:cNvPicPr>
+          <p:nvPr/>
+        </p:nvPicPr>
+        <p:blipFill>
+          <a:blip r:embed="rId4">
+            <a:clrChange>
+              <a:clrFrom>
+                <a:srgbClr val="FFFFFF">
+                  <a:alpha val="100000"/>
+                </a:srgbClr>
+              </a:clrFrom>
+              <a:clrTo>
+                <a:srgbClr val="FFFFFF">
+                  <a:alpha val="100000"/>
+                  <a:alpha val="0"/>
+                </a:srgbClr>
+              </a:clrTo>
+            </a:clrChange>
+            <a:lum bright="-12000"/>
+          </a:blip>
+          <a:stretch>
+            <a:fillRect/>
+          </a:stretch>
+        </p:blipFill>
+        <p:spPr>
+          <a:xfrm>
+            <a:off x="440690" y="2099310"/>
+            <a:ext cx="6523355" cy="2660015"/>
+          </a:xfrm>
+          <a:prstGeom prst="rect">
+            <a:avLst/>
+          </a:prstGeom>
+        </p:spPr>
+      </p:pic>
       <p:sp>
         <p:nvSpPr>
           <p:cNvPr id="100" name="Text Box 99"/>
@@ -5167,8 +6610,8 @@
         </p:nvSpPr>
         <p:spPr>
           <a:xfrm>
-            <a:off x="6677025" y="2548255"/>
-            <a:ext cx="5080000" cy="645160"/>
+            <a:off x="6964045" y="3876675"/>
+            <a:ext cx="5080000" cy="1938020"/>
           </a:xfrm>
           <a:prstGeom prst="rect">
             <a:avLst/>
@@ -5185,73 +6628,19 @@
           <a:p>
             <a:pPr marL="0" indent="0"/>
             <a:r>
-              <a:rPr lang="en-US"/>
-              <a:t>run your query and you will see the following prompt</a:t>
-            </a:r>
-            <a:endParaRPr lang="en-US"/>
-          </a:p>
-        </p:txBody>
-      </p:sp>
-      <p:pic>
-        <p:nvPicPr>
-          <p:cNvPr id="7" name="Picture 4" descr="IMG_259"/>
-          <p:cNvPicPr>
-            <a:picLocks noChangeAspect="1"/>
-          </p:cNvPicPr>
-          <p:nvPr/>
-        </p:nvPicPr>
-        <p:blipFill>
-          <a:blip r:embed="rId4">
-            <a:lum bright="-6000"/>
-          </a:blip>
-          <a:stretch>
-            <a:fillRect/>
-          </a:stretch>
-        </p:blipFill>
-        <p:spPr>
-          <a:xfrm>
-            <a:off x="440690" y="1691958"/>
-            <a:ext cx="5715000" cy="3133725"/>
-          </a:xfrm>
-          <a:prstGeom prst="rect">
-            <a:avLst/>
-          </a:prstGeom>
-          <a:noFill/>
-          <a:ln w="9525">
-            <a:noFill/>
-          </a:ln>
-        </p:spPr>
-      </p:pic>
-      <p:pic>
-        <p:nvPicPr>
-          <p:cNvPr id="8" name="Picture 5" descr="IMG_260"/>
-          <p:cNvPicPr>
-            <a:picLocks noChangeAspect="1"/>
-          </p:cNvPicPr>
-          <p:nvPr/>
-        </p:nvPicPr>
-        <p:blipFill>
-          <a:blip r:embed="rId5">
-            <a:lum bright="-6000"/>
-          </a:blip>
-          <a:stretch>
-            <a:fillRect/>
-          </a:stretch>
-        </p:blipFill>
-        <p:spPr>
-          <a:xfrm>
-            <a:off x="7477760" y="3427730"/>
-            <a:ext cx="3320415" cy="1738630"/>
-          </a:xfrm>
-          <a:prstGeom prst="rect">
-            <a:avLst/>
-          </a:prstGeom>
-          <a:noFill/>
-          <a:ln w="9525">
-            <a:noFill/>
-          </a:ln>
-        </p:spPr>
-      </p:pic>
+              <a:rPr lang="en-US" sz="2400" b="0">
+                <a:latin typeface="Calibri" charset="0"/>
+                <a:cs typeface="SimSun" charset="0"/>
+              </a:rPr>
+              <a:t>You can display that information together by creating a calculated field that concatenates one or more strings</a:t>
+            </a:r>
+            <a:endParaRPr lang="en-US" sz="2400" b="0">
+              <a:latin typeface="Calibri" charset="0"/>
+              <a:cs typeface="SimSun" charset="0"/>
+            </a:endParaRPr>
+          </a:p>
+        </p:txBody>
+      </p:sp>
     </p:spTree>
   </p:cSld>
   <p:clrMapOvr>
@@ -5471,8 +6860,8 @@
         </p:nvSpPr>
         <p:spPr>
           <a:xfrm>
-            <a:off x="2044700" y="317500"/>
-            <a:ext cx="7068185" cy="706755"/>
+            <a:off x="1881505" y="453390"/>
+            <a:ext cx="7068185" cy="645160"/>
           </a:xfrm>
           <a:prstGeom prst="rect">
             <a:avLst/>
@@ -5485,7 +6874,7 @@
           </a:bodyPr>
           <a:p>
             <a:r>
-              <a:rPr lang="en-US" altLang="en-US" sz="4000">
+              <a:rPr lang="" altLang="en-US" sz="3600">
                 <a:solidFill>
                   <a:schemeClr val="bg1"/>
                 </a:solidFill>
@@ -5497,9 +6886,9 @@
                   </a:outerShdw>
                 </a:effectLst>
               </a:rPr>
-              <a:t>Alternate Criteria</a:t>
-            </a:r>
-            <a:endParaRPr lang="en-US" altLang="en-US" sz="4000">
+              <a:t>Display Information Together</a:t>
+            </a:r>
+            <a:endParaRPr lang="" altLang="en-US" sz="3600">
               <a:solidFill>
                 <a:schemeClr val="bg1"/>
               </a:solidFill>
@@ -5514,16 +6903,26 @@
           </a:p>
         </p:txBody>
       </p:sp>
-      <p:sp>
-        <p:nvSpPr>
-          <p:cNvPr id="3" name="Text Box 2"/>
-          <p:cNvSpPr txBox="1"/>
+      <p:pic>
+        <p:nvPicPr>
+          <p:cNvPr id="15" name="Picture 10" descr="IMG_265"/>
+          <p:cNvPicPr>
+            <a:picLocks noChangeAspect="1"/>
+          </p:cNvPicPr>
           <p:nvPr/>
-        </p:nvSpPr>
+        </p:nvPicPr>
+        <p:blipFill>
+          <a:blip r:embed="rId4">
+            <a:lum bright="-6000"/>
+          </a:blip>
+          <a:stretch>
+            <a:fillRect/>
+          </a:stretch>
+        </p:blipFill>
         <p:spPr>
           <a:xfrm>
-            <a:off x="2314575" y="3268980"/>
-            <a:ext cx="7479665" cy="1198880"/>
+            <a:off x="2044700" y="1520190"/>
+            <a:ext cx="7550785" cy="4191000"/>
           </a:xfrm>
           <a:prstGeom prst="rect">
             <a:avLst/>
@@ -5533,26 +6932,7 @@
             <a:noFill/>
           </a:ln>
         </p:spPr>
-        <p:txBody>
-          <a:bodyPr wrap="square">
-            <a:spAutoFit/>
-          </a:bodyPr>
-          <a:p>
-            <a:pPr marL="0" indent="0"/>
-            <a:r>
-              <a:rPr lang="en-US" sz="2400" b="0">
-                <a:latin typeface="Calibri" charset="0"/>
-                <a:cs typeface="SimSun" charset="0"/>
-              </a:rPr>
-              <a:t>You can save and run the same query again and again, and a lot of times you want to add alternate criteria</a:t>
-            </a:r>
-            <a:endParaRPr lang="en-US" sz="2400" b="0">
-              <a:latin typeface="Calibri" charset="0"/>
-              <a:cs typeface="SimSun" charset="0"/>
-            </a:endParaRPr>
-          </a:p>
-        </p:txBody>
-      </p:sp>
+      </p:pic>
     </p:spTree>
   </p:cSld>
   <p:clrMapOvr>
@@ -5591,37 +6971,22 @@
       <p:grpSpPr/>
       <p:pic>
         <p:nvPicPr>
-          <p:cNvPr id="4" name="Picture 3"/>
+          <p:cNvPr id="5" name="Picture 4" descr="United TrusT Logo"/>
           <p:cNvPicPr>
             <a:picLocks noChangeAspect="1"/>
           </p:cNvPicPr>
           <p:nvPr/>
         </p:nvPicPr>
         <p:blipFill>
-          <a:blip r:embed="rId1">
-            <a:clrChange>
-              <a:clrFrom>
-                <a:srgbClr val="F6F6F6">
-                  <a:alpha val="100000"/>
-                </a:srgbClr>
-              </a:clrFrom>
-              <a:clrTo>
-                <a:srgbClr val="F6F6F6">
-                  <a:alpha val="100000"/>
-                  <a:alpha val="0"/>
-                </a:srgbClr>
-              </a:clrTo>
-            </a:clrChange>
-            <a:lum bright="-6000"/>
-          </a:blip>
+          <a:blip r:embed="rId1"/>
           <a:stretch>
             <a:fillRect/>
           </a:stretch>
         </p:blipFill>
         <p:spPr>
-          <a:xfrm rot="21060000">
-            <a:off x="6033135" y="1033145"/>
-            <a:ext cx="4634865" cy="4244340"/>
+          <a:xfrm>
+            <a:off x="108585" y="6128385"/>
+            <a:ext cx="1650365" cy="634365"/>
           </a:xfrm>
           <a:prstGeom prst="rect">
             <a:avLst/>
@@ -5630,7 +6995,7 @@
       </p:pic>
       <p:pic>
         <p:nvPicPr>
-          <p:cNvPr id="5" name="Picture 4" descr="United TrusT Logo"/>
+          <p:cNvPr id="6" name="Picture 5" descr="bdedu_logo"/>
           <p:cNvPicPr>
             <a:picLocks noChangeAspect="1"/>
           </p:cNvPicPr>
@@ -5644,17 +7009,120 @@
         </p:blipFill>
         <p:spPr>
           <a:xfrm>
-            <a:off x="108585" y="6128385"/>
-            <a:ext cx="1650365" cy="634365"/>
+            <a:off x="9421495" y="6061710"/>
+            <a:ext cx="2693670" cy="701040"/>
           </a:xfrm>
           <a:prstGeom prst="rect">
             <a:avLst/>
           </a:prstGeom>
         </p:spPr>
       </p:pic>
+      <p:sp>
+        <p:nvSpPr>
+          <p:cNvPr id="10" name="Freeform 9"/>
+          <p:cNvSpPr/>
+          <p:nvPr/>
+        </p:nvSpPr>
+        <p:spPr>
+          <a:xfrm>
+            <a:off x="440690" y="120650"/>
+            <a:ext cx="9353550" cy="1162050"/>
+          </a:xfrm>
+          <a:custGeom>
+            <a:avLst/>
+            <a:gdLst>
+              <a:gd name="connsiteX0" fmla="*/ 0 w 14730"/>
+              <a:gd name="connsiteY0" fmla="*/ 0 h 1830"/>
+              <a:gd name="connsiteX1" fmla="*/ 13869 w 14730"/>
+              <a:gd name="connsiteY1" fmla="*/ 60 h 1830"/>
+              <a:gd name="connsiteX2" fmla="*/ 14730 w 14730"/>
+              <a:gd name="connsiteY2" fmla="*/ 1830 h 1830"/>
+              <a:gd name="connsiteX3" fmla="*/ 0 w 14730"/>
+              <a:gd name="connsiteY3" fmla="*/ 1830 h 1830"/>
+              <a:gd name="connsiteX4" fmla="*/ 0 w 14730"/>
+              <a:gd name="connsiteY4" fmla="*/ 0 h 1830"/>
+            </a:gdLst>
+            <a:ahLst/>
+            <a:cxnLst>
+              <a:cxn ang="0">
+                <a:pos x="connsiteX0" y="connsiteY0"/>
+              </a:cxn>
+              <a:cxn ang="0">
+                <a:pos x="connsiteX1" y="connsiteY1"/>
+              </a:cxn>
+              <a:cxn ang="0">
+                <a:pos x="connsiteX2" y="connsiteY2"/>
+              </a:cxn>
+              <a:cxn ang="0">
+                <a:pos x="connsiteX3" y="connsiteY3"/>
+              </a:cxn>
+              <a:cxn ang="0">
+                <a:pos x="connsiteX4" y="connsiteY4"/>
+              </a:cxn>
+            </a:cxnLst>
+            <a:rect l="l" t="t" r="r" b="b"/>
+            <a:pathLst>
+              <a:path w="14730" h="1830">
+                <a:moveTo>
+                  <a:pt x="0" y="0"/>
+                </a:moveTo>
+                <a:lnTo>
+                  <a:pt x="13869" y="60"/>
+                </a:lnTo>
+                <a:lnTo>
+                  <a:pt x="14730" y="1830"/>
+                </a:lnTo>
+                <a:lnTo>
+                  <a:pt x="0" y="1830"/>
+                </a:lnTo>
+                <a:lnTo>
+                  <a:pt x="0" y="0"/>
+                </a:lnTo>
+                <a:close/>
+              </a:path>
+            </a:pathLst>
+          </a:custGeom>
+          <a:solidFill>
+            <a:schemeClr val="tx2">
+              <a:lumMod val="75000"/>
+              <a:lumOff val="25000"/>
+            </a:schemeClr>
+          </a:solidFill>
+          <a:ln>
+            <a:solidFill>
+              <a:schemeClr val="bg1">
+                <a:alpha val="88000"/>
+              </a:schemeClr>
+            </a:solidFill>
+          </a:ln>
+        </p:spPr>
+        <p:style>
+          <a:lnRef idx="2">
+            <a:schemeClr val="accent1">
+              <a:shade val="50000"/>
+            </a:schemeClr>
+          </a:lnRef>
+          <a:fillRef idx="1">
+            <a:schemeClr val="accent1"/>
+          </a:fillRef>
+          <a:effectRef idx="0">
+            <a:schemeClr val="accent1"/>
+          </a:effectRef>
+          <a:fontRef idx="minor">
+            <a:schemeClr val="lt1"/>
+          </a:fontRef>
+        </p:style>
+        <p:txBody>
+          <a:bodyPr rtlCol="0" anchor="ctr"/>
+          <a:p>
+            <a:pPr algn="ctr"/>
+            <a:endParaRPr lang="en-US"/>
+          </a:p>
+        </p:txBody>
+      </p:sp>
       <p:pic>
         <p:nvPicPr>
-          <p:cNvPr id="6" name="Picture 5" descr="bdedu_logo"/>
+          <p:cNvPr id="9" name="Picture 8"/>
           <p:cNvPicPr>
             <a:picLocks noChangeAspect="1"/>
           </p:cNvPicPr>
@@ -5667,37 +7135,94 @@
           </a:stretch>
         </p:blipFill>
         <p:spPr>
-          <a:xfrm>
-            <a:off x="9421495" y="6061710"/>
-            <a:ext cx="2693670" cy="701040"/>
+          <a:xfrm rot="3600000">
+            <a:off x="-43815" y="-106680"/>
+            <a:ext cx="1765300" cy="1765300"/>
           </a:xfrm>
           <a:prstGeom prst="rect">
             <a:avLst/>
           </a:prstGeom>
         </p:spPr>
       </p:pic>
+      <p:sp>
+        <p:nvSpPr>
+          <p:cNvPr id="2" name="Text Box 1"/>
+          <p:cNvSpPr txBox="1"/>
+          <p:nvPr/>
+        </p:nvSpPr>
+        <p:spPr>
+          <a:xfrm>
+            <a:off x="1881505" y="453390"/>
+            <a:ext cx="7068185" cy="645160"/>
+          </a:xfrm>
+          <a:prstGeom prst="rect">
+            <a:avLst/>
+          </a:prstGeom>
+          <a:noFill/>
+        </p:spPr>
+        <p:txBody>
+          <a:bodyPr wrap="square" rtlCol="0">
+            <a:spAutoFit/>
+          </a:bodyPr>
+          <a:p>
+            <a:r>
+              <a:rPr lang="" altLang="en-US" sz="3600">
+                <a:solidFill>
+                  <a:schemeClr val="bg1"/>
+                </a:solidFill>
+                <a:effectLst>
+                  <a:outerShdw blurRad="38100" dist="19050" dir="2700000" algn="tl" rotWithShape="0">
+                    <a:schemeClr val="dk1">
+                      <a:alpha val="40000"/>
+                    </a:schemeClr>
+                  </a:outerShdw>
+                </a:effectLst>
+              </a:rPr>
+              <a:t>Final View</a:t>
+            </a:r>
+            <a:endParaRPr lang="" altLang="en-US" sz="3600">
+              <a:solidFill>
+                <a:schemeClr val="bg1"/>
+              </a:solidFill>
+              <a:effectLst>
+                <a:outerShdw blurRad="38100" dist="19050" dir="2700000" algn="tl" rotWithShape="0">
+                  <a:schemeClr val="dk1">
+                    <a:alpha val="40000"/>
+                  </a:schemeClr>
+                </a:outerShdw>
+              </a:effectLst>
+            </a:endParaRPr>
+          </a:p>
+        </p:txBody>
+      </p:sp>
       <p:pic>
         <p:nvPicPr>
-          <p:cNvPr id="3" name="Picture 2"/>
+          <p:cNvPr id="16" name="Picture 14" descr="IMG_269"/>
           <p:cNvPicPr>
             <a:picLocks noChangeAspect="1"/>
           </p:cNvPicPr>
           <p:nvPr/>
         </p:nvPicPr>
         <p:blipFill>
-          <a:blip r:embed="rId4"/>
+          <a:blip r:embed="rId4">
+            <a:lum bright="-12000"/>
+          </a:blip>
           <a:stretch>
             <a:fillRect/>
           </a:stretch>
         </p:blipFill>
         <p:spPr>
           <a:xfrm>
-            <a:off x="5838190" y="272415"/>
-            <a:ext cx="5765800" cy="5765800"/>
+            <a:off x="2462530" y="1637665"/>
+            <a:ext cx="7331710" cy="4069080"/>
           </a:xfrm>
           <a:prstGeom prst="rect">
             <a:avLst/>
           </a:prstGeom>
+          <a:noFill/>
+          <a:ln w="9525">
+            <a:noFill/>
+          </a:ln>
         </p:spPr>
       </p:pic>
     </p:spTree>
